--- a/data/장표디자인팁.pptx
+++ b/data/장표디자인팁.pptx
@@ -11,6 +11,7 @@
     <p:sldId id="259" r:id="rId5"/>
     <p:sldId id="260" r:id="rId6"/>
     <p:sldId id="261" r:id="rId7"/>
+    <p:sldId id="262" r:id="rId8"/>
   </p:sldIdLst>
   <p:sldSz cx="12192000" cy="6858000"/>
   <p:notesSz cx="6858000" cy="9144000"/>
@@ -275,7 +276,7 @@
           <a:p>
             <a:fld id="{FAF97DD2-58AF-46A6-B288-BD8AC7BC72B4}" type="datetimeFigureOut">
               <a:rPr lang="ko-KR" altLang="en-US" smtClean="0"/>
-              <a:t>2024-12-06</a:t>
+              <a:t>2024-12-09</a:t>
             </a:fld>
             <a:endParaRPr lang="ko-KR" altLang="en-US"/>
           </a:p>
@@ -473,7 +474,7 @@
           <a:p>
             <a:fld id="{FAF97DD2-58AF-46A6-B288-BD8AC7BC72B4}" type="datetimeFigureOut">
               <a:rPr lang="ko-KR" altLang="en-US" smtClean="0"/>
-              <a:t>2024-12-06</a:t>
+              <a:t>2024-12-09</a:t>
             </a:fld>
             <a:endParaRPr lang="ko-KR" altLang="en-US"/>
           </a:p>
@@ -681,7 +682,7 @@
           <a:p>
             <a:fld id="{FAF97DD2-58AF-46A6-B288-BD8AC7BC72B4}" type="datetimeFigureOut">
               <a:rPr lang="ko-KR" altLang="en-US" smtClean="0"/>
-              <a:t>2024-12-06</a:t>
+              <a:t>2024-12-09</a:t>
             </a:fld>
             <a:endParaRPr lang="ko-KR" altLang="en-US"/>
           </a:p>
@@ -879,7 +880,7 @@
           <a:p>
             <a:fld id="{FAF97DD2-58AF-46A6-B288-BD8AC7BC72B4}" type="datetimeFigureOut">
               <a:rPr lang="ko-KR" altLang="en-US" smtClean="0"/>
-              <a:t>2024-12-06</a:t>
+              <a:t>2024-12-09</a:t>
             </a:fld>
             <a:endParaRPr lang="ko-KR" altLang="en-US"/>
           </a:p>
@@ -1154,7 +1155,7 @@
           <a:p>
             <a:fld id="{FAF97DD2-58AF-46A6-B288-BD8AC7BC72B4}" type="datetimeFigureOut">
               <a:rPr lang="ko-KR" altLang="en-US" smtClean="0"/>
-              <a:t>2024-12-06</a:t>
+              <a:t>2024-12-09</a:t>
             </a:fld>
             <a:endParaRPr lang="ko-KR" altLang="en-US"/>
           </a:p>
@@ -1419,7 +1420,7 @@
           <a:p>
             <a:fld id="{FAF97DD2-58AF-46A6-B288-BD8AC7BC72B4}" type="datetimeFigureOut">
               <a:rPr lang="ko-KR" altLang="en-US" smtClean="0"/>
-              <a:t>2024-12-06</a:t>
+              <a:t>2024-12-09</a:t>
             </a:fld>
             <a:endParaRPr lang="ko-KR" altLang="en-US"/>
           </a:p>
@@ -1831,7 +1832,7 @@
           <a:p>
             <a:fld id="{FAF97DD2-58AF-46A6-B288-BD8AC7BC72B4}" type="datetimeFigureOut">
               <a:rPr lang="ko-KR" altLang="en-US" smtClean="0"/>
-              <a:t>2024-12-06</a:t>
+              <a:t>2024-12-09</a:t>
             </a:fld>
             <a:endParaRPr lang="ko-KR" altLang="en-US"/>
           </a:p>
@@ -1972,7 +1973,7 @@
           <a:p>
             <a:fld id="{FAF97DD2-58AF-46A6-B288-BD8AC7BC72B4}" type="datetimeFigureOut">
               <a:rPr lang="ko-KR" altLang="en-US" smtClean="0"/>
-              <a:t>2024-12-06</a:t>
+              <a:t>2024-12-09</a:t>
             </a:fld>
             <a:endParaRPr lang="ko-KR" altLang="en-US"/>
           </a:p>
@@ -2085,7 +2086,7 @@
           <a:p>
             <a:fld id="{FAF97DD2-58AF-46A6-B288-BD8AC7BC72B4}" type="datetimeFigureOut">
               <a:rPr lang="ko-KR" altLang="en-US" smtClean="0"/>
-              <a:t>2024-12-06</a:t>
+              <a:t>2024-12-09</a:t>
             </a:fld>
             <a:endParaRPr lang="ko-KR" altLang="en-US"/>
           </a:p>
@@ -2396,7 +2397,7 @@
           <a:p>
             <a:fld id="{FAF97DD2-58AF-46A6-B288-BD8AC7BC72B4}" type="datetimeFigureOut">
               <a:rPr lang="ko-KR" altLang="en-US" smtClean="0"/>
-              <a:t>2024-12-06</a:t>
+              <a:t>2024-12-09</a:t>
             </a:fld>
             <a:endParaRPr lang="ko-KR" altLang="en-US"/>
           </a:p>
@@ -2684,7 +2685,7 @@
           <a:p>
             <a:fld id="{FAF97DD2-58AF-46A6-B288-BD8AC7BC72B4}" type="datetimeFigureOut">
               <a:rPr lang="ko-KR" altLang="en-US" smtClean="0"/>
-              <a:t>2024-12-06</a:t>
+              <a:t>2024-12-09</a:t>
             </a:fld>
             <a:endParaRPr lang="ko-KR" altLang="en-US"/>
           </a:p>
@@ -2925,7 +2926,7 @@
           <a:p>
             <a:fld id="{FAF97DD2-58AF-46A6-B288-BD8AC7BC72B4}" type="datetimeFigureOut">
               <a:rPr lang="ko-KR" altLang="en-US" smtClean="0"/>
-              <a:t>2024-12-06</a:t>
+              <a:t>2024-12-09</a:t>
             </a:fld>
             <a:endParaRPr lang="ko-KR" altLang="en-US"/>
           </a:p>
@@ -3357,7 +3358,7 @@
           <p:nvPr>
             <p:extLst>
               <p:ext uri="{D42A27DB-BD31-4B8C-83A1-F6EECF244321}">
-                <p14:modId xmlns:p14="http://schemas.microsoft.com/office/powerpoint/2010/main" val="2092712806"/>
+                <p14:modId xmlns:p14="http://schemas.microsoft.com/office/powerpoint/2010/main" val="3471901804"/>
               </p:ext>
             </p:extLst>
           </p:nvPr>
@@ -3450,7 +3451,7 @@
                       <a:prstDash val="solid"/>
                     </a:lnBlToTr>
                     <a:solidFill>
-                      <a:srgbClr val="002060"/>
+                      <a:srgbClr val="146A82"/>
                     </a:solidFill>
                   </a:tcPr>
                 </a:tc>
@@ -3501,7 +3502,7 @@
                       <a:prstDash val="solid"/>
                     </a:lnBlToTr>
                     <a:solidFill>
-                      <a:srgbClr val="002060"/>
+                      <a:srgbClr val="146A82"/>
                     </a:solidFill>
                   </a:tcPr>
                 </a:tc>
@@ -3552,7 +3553,7 @@
                       <a:prstDash val="solid"/>
                     </a:lnBlToTr>
                     <a:solidFill>
-                      <a:srgbClr val="002060"/>
+                      <a:srgbClr val="146A82"/>
                     </a:solidFill>
                   </a:tcPr>
                 </a:tc>
@@ -3603,7 +3604,7 @@
                       <a:prstDash val="solid"/>
                     </a:lnBlToTr>
                     <a:solidFill>
-                      <a:srgbClr val="002060"/>
+                      <a:srgbClr val="146A82"/>
                     </a:solidFill>
                   </a:tcPr>
                 </a:tc>
@@ -3654,6 +3655,11 @@
                       <a:noFill/>
                       <a:prstDash val="solid"/>
                     </a:lnBlToTr>
+                    <a:solidFill>
+                      <a:srgbClr val="22B2DA">
+                        <a:alpha val="20000"/>
+                      </a:srgbClr>
+                    </a:solidFill>
                   </a:tcPr>
                 </a:tc>
                 <a:tc>
@@ -3696,6 +3702,11 @@
                       <a:noFill/>
                       <a:prstDash val="solid"/>
                     </a:lnBlToTr>
+                    <a:solidFill>
+                      <a:srgbClr val="22B2DA">
+                        <a:alpha val="20000"/>
+                      </a:srgbClr>
+                    </a:solidFill>
                   </a:tcPr>
                 </a:tc>
                 <a:tc>
@@ -3738,6 +3749,11 @@
                       <a:noFill/>
                       <a:prstDash val="solid"/>
                     </a:lnBlToTr>
+                    <a:solidFill>
+                      <a:srgbClr val="22B2DA">
+                        <a:alpha val="20000"/>
+                      </a:srgbClr>
+                    </a:solidFill>
                   </a:tcPr>
                 </a:tc>
                 <a:tc>
@@ -3780,6 +3796,11 @@
                       <a:noFill/>
                       <a:prstDash val="solid"/>
                     </a:lnBlToTr>
+                    <a:solidFill>
+                      <a:srgbClr val="22B2DA">
+                        <a:alpha val="20000"/>
+                      </a:srgbClr>
+                    </a:solidFill>
                   </a:tcPr>
                 </a:tc>
                 <a:extLst>
@@ -4000,6 +4021,11 @@
                       <a:noFill/>
                       <a:prstDash val="solid"/>
                     </a:lnBlToTr>
+                    <a:solidFill>
+                      <a:srgbClr val="22B2DA">
+                        <a:alpha val="20000"/>
+                      </a:srgbClr>
+                    </a:solidFill>
                   </a:tcPr>
                 </a:tc>
                 <a:tc>
@@ -4042,6 +4068,11 @@
                       <a:noFill/>
                       <a:prstDash val="solid"/>
                     </a:lnBlToTr>
+                    <a:solidFill>
+                      <a:srgbClr val="22B2DA">
+                        <a:alpha val="20000"/>
+                      </a:srgbClr>
+                    </a:solidFill>
                   </a:tcPr>
                 </a:tc>
                 <a:tc>
@@ -4084,6 +4115,11 @@
                       <a:noFill/>
                       <a:prstDash val="solid"/>
                     </a:lnBlToTr>
+                    <a:solidFill>
+                      <a:srgbClr val="22B2DA">
+                        <a:alpha val="20000"/>
+                      </a:srgbClr>
+                    </a:solidFill>
                   </a:tcPr>
                 </a:tc>
                 <a:tc>
@@ -4126,6 +4162,11 @@
                       <a:noFill/>
                       <a:prstDash val="solid"/>
                     </a:lnBlToTr>
+                    <a:solidFill>
+                      <a:srgbClr val="22B2DA">
+                        <a:alpha val="20000"/>
+                      </a:srgbClr>
+                    </a:solidFill>
                   </a:tcPr>
                 </a:tc>
                 <a:extLst>
@@ -4350,6 +4391,11 @@
                       <a:noFill/>
                       <a:prstDash val="solid"/>
                     </a:lnBlToTr>
+                    <a:solidFill>
+                      <a:srgbClr val="22B2DA">
+                        <a:alpha val="20000"/>
+                      </a:srgbClr>
+                    </a:solidFill>
                   </a:tcPr>
                 </a:tc>
                 <a:tc>
@@ -4392,6 +4438,11 @@
                       <a:noFill/>
                       <a:prstDash val="solid"/>
                     </a:lnBlToTr>
+                    <a:solidFill>
+                      <a:srgbClr val="22B2DA">
+                        <a:alpha val="20000"/>
+                      </a:srgbClr>
+                    </a:solidFill>
                   </a:tcPr>
                 </a:tc>
                 <a:tc>
@@ -4434,6 +4485,11 @@
                       <a:noFill/>
                       <a:prstDash val="solid"/>
                     </a:lnBlToTr>
+                    <a:solidFill>
+                      <a:srgbClr val="22B2DA">
+                        <a:alpha val="20000"/>
+                      </a:srgbClr>
+                    </a:solidFill>
                   </a:tcPr>
                 </a:tc>
                 <a:tc>
@@ -4476,6 +4532,11 @@
                       <a:noFill/>
                       <a:prstDash val="solid"/>
                     </a:lnBlToTr>
+                    <a:solidFill>
+                      <a:srgbClr val="22B2DA">
+                        <a:alpha val="20000"/>
+                      </a:srgbClr>
+                    </a:solidFill>
                   </a:tcPr>
                 </a:tc>
                 <a:extLst>
@@ -4700,6 +4761,11 @@
                       <a:noFill/>
                       <a:prstDash val="solid"/>
                     </a:lnBlToTr>
+                    <a:solidFill>
+                      <a:srgbClr val="22B2DA">
+                        <a:alpha val="20000"/>
+                      </a:srgbClr>
+                    </a:solidFill>
                   </a:tcPr>
                 </a:tc>
                 <a:tc>
@@ -4742,6 +4808,11 @@
                       <a:noFill/>
                       <a:prstDash val="solid"/>
                     </a:lnBlToTr>
+                    <a:solidFill>
+                      <a:srgbClr val="22B2DA">
+                        <a:alpha val="20000"/>
+                      </a:srgbClr>
+                    </a:solidFill>
                   </a:tcPr>
                 </a:tc>
                 <a:tc>
@@ -4784,6 +4855,11 @@
                       <a:noFill/>
                       <a:prstDash val="solid"/>
                     </a:lnBlToTr>
+                    <a:solidFill>
+                      <a:srgbClr val="22B2DA">
+                        <a:alpha val="20000"/>
+                      </a:srgbClr>
+                    </a:solidFill>
                   </a:tcPr>
                 </a:tc>
                 <a:tc>
@@ -4826,6 +4902,11 @@
                       <a:noFill/>
                       <a:prstDash val="solid"/>
                     </a:lnBlToTr>
+                    <a:solidFill>
+                      <a:srgbClr val="22B2DA">
+                        <a:alpha val="20000"/>
+                      </a:srgbClr>
+                    </a:solidFill>
                   </a:tcPr>
                 </a:tc>
                 <a:extLst>
@@ -4889,7 +4970,7 @@
           <p:nvPr>
             <p:extLst>
               <p:ext uri="{D42A27DB-BD31-4B8C-83A1-F6EECF244321}">
-                <p14:modId xmlns:p14="http://schemas.microsoft.com/office/powerpoint/2010/main" val="2317058675"/>
+                <p14:modId xmlns:p14="http://schemas.microsoft.com/office/powerpoint/2010/main" val="2572414565"/>
               </p:ext>
             </p:extLst>
           </p:nvPr>
@@ -4960,7 +5041,7 @@
                   </a:txBody>
                   <a:tcPr anchor="ctr">
                     <a:solidFill>
-                      <a:srgbClr val="002060"/>
+                      <a:srgbClr val="146A82"/>
                     </a:solidFill>
                   </a:tcPr>
                 </a:tc>
@@ -4989,7 +5070,7 @@
                   </a:txBody>
                   <a:tcPr anchor="ctr">
                     <a:solidFill>
-                      <a:srgbClr val="002060"/>
+                      <a:srgbClr val="146A82"/>
                     </a:solidFill>
                   </a:tcPr>
                 </a:tc>
@@ -5018,7 +5099,7 @@
                   </a:txBody>
                   <a:tcPr anchor="ctr">
                     <a:solidFill>
-                      <a:srgbClr val="002060"/>
+                      <a:srgbClr val="146A82"/>
                     </a:solidFill>
                   </a:tcPr>
                 </a:tc>
@@ -5047,7 +5128,7 @@
                   </a:txBody>
                   <a:tcPr anchor="ctr">
                     <a:solidFill>
-                      <a:srgbClr val="002060"/>
+                      <a:srgbClr val="146A82"/>
                     </a:solidFill>
                   </a:tcPr>
                 </a:tc>
@@ -8181,7 +8262,7 @@
             <a:avLst/>
           </a:prstGeom>
           <a:solidFill>
-            <a:srgbClr val="002060"/>
+            <a:srgbClr val="146A82"/>
           </a:solidFill>
           <a:ln>
             <a:noFill/>
@@ -8233,7 +8314,7 @@
             <a:avLst/>
           </a:prstGeom>
           <a:solidFill>
-            <a:srgbClr val="002060"/>
+            <a:srgbClr val="146A82"/>
           </a:solidFill>
           <a:ln>
             <a:noFill/>
@@ -8285,7 +8366,7 @@
             <a:avLst/>
           </a:prstGeom>
           <a:solidFill>
-            <a:srgbClr val="002060"/>
+            <a:srgbClr val="146A82"/>
           </a:solidFill>
           <a:ln>
             <a:noFill/>
@@ -8337,7 +8418,7 @@
             <a:avLst/>
           </a:prstGeom>
           <a:solidFill>
-            <a:srgbClr val="002060"/>
+            <a:srgbClr val="146A82"/>
           </a:solidFill>
           <a:ln>
             <a:noFill/>
@@ -8383,7 +8464,7 @@
           <p:nvPr>
             <p:extLst>
               <p:ext uri="{D42A27DB-BD31-4B8C-83A1-F6EECF244321}">
-                <p14:modId xmlns:p14="http://schemas.microsoft.com/office/powerpoint/2010/main" val="3048228719"/>
+                <p14:modId xmlns:p14="http://schemas.microsoft.com/office/powerpoint/2010/main" val="2521454368"/>
               </p:ext>
             </p:extLst>
           </p:nvPr>
@@ -9756,7 +9837,13 @@
           <p:cNvGraphicFramePr>
             <a:graphicFrameLocks noGrp="1"/>
           </p:cNvGraphicFramePr>
-          <p:nvPr/>
+          <p:nvPr>
+            <p:extLst>
+              <p:ext uri="{D42A27DB-BD31-4B8C-83A1-F6EECF244321}">
+                <p14:modId xmlns:p14="http://schemas.microsoft.com/office/powerpoint/2010/main" val="3030177591"/>
+              </p:ext>
+            </p:extLst>
+          </p:nvPr>
         </p:nvGraphicFramePr>
         <p:xfrm>
           <a:off x="2032000" y="719665"/>
@@ -9846,7 +9933,7 @@
                       <a:prstDash val="solid"/>
                     </a:lnBlToTr>
                     <a:solidFill>
-                      <a:srgbClr val="002060"/>
+                      <a:srgbClr val="146A82"/>
                     </a:solidFill>
                   </a:tcPr>
                 </a:tc>
@@ -9897,7 +9984,7 @@
                       <a:prstDash val="solid"/>
                     </a:lnBlToTr>
                     <a:solidFill>
-                      <a:srgbClr val="002060"/>
+                      <a:srgbClr val="146A82"/>
                     </a:solidFill>
                   </a:tcPr>
                 </a:tc>
@@ -9948,7 +10035,7 @@
                       <a:prstDash val="solid"/>
                     </a:lnBlToTr>
                     <a:solidFill>
-                      <a:srgbClr val="002060"/>
+                      <a:srgbClr val="146A82"/>
                     </a:solidFill>
                   </a:tcPr>
                 </a:tc>
@@ -9999,7 +10086,7 @@
                       <a:prstDash val="solid"/>
                     </a:lnBlToTr>
                     <a:solidFill>
-                      <a:srgbClr val="002060"/>
+                      <a:srgbClr val="146A82"/>
                     </a:solidFill>
                   </a:tcPr>
                 </a:tc>
@@ -10050,6 +10137,11 @@
                       <a:noFill/>
                       <a:prstDash val="solid"/>
                     </a:lnBlToTr>
+                    <a:solidFill>
+                      <a:srgbClr val="22B2DA">
+                        <a:alpha val="20000"/>
+                      </a:srgbClr>
+                    </a:solidFill>
                   </a:tcPr>
                 </a:tc>
                 <a:tc>
@@ -10092,6 +10184,11 @@
                       <a:noFill/>
                       <a:prstDash val="solid"/>
                     </a:lnBlToTr>
+                    <a:solidFill>
+                      <a:srgbClr val="22B2DA">
+                        <a:alpha val="20000"/>
+                      </a:srgbClr>
+                    </a:solidFill>
                   </a:tcPr>
                 </a:tc>
                 <a:tc>
@@ -10134,6 +10231,11 @@
                       <a:noFill/>
                       <a:prstDash val="solid"/>
                     </a:lnBlToTr>
+                    <a:solidFill>
+                      <a:srgbClr val="22B2DA">
+                        <a:alpha val="20000"/>
+                      </a:srgbClr>
+                    </a:solidFill>
                   </a:tcPr>
                 </a:tc>
                 <a:tc>
@@ -10176,6 +10278,11 @@
                       <a:noFill/>
                       <a:prstDash val="solid"/>
                     </a:lnBlToTr>
+                    <a:solidFill>
+                      <a:srgbClr val="22B2DA">
+                        <a:alpha val="20000"/>
+                      </a:srgbClr>
+                    </a:solidFill>
                   </a:tcPr>
                 </a:tc>
                 <a:extLst>
@@ -10746,6 +10853,11 @@
                       <a:noFill/>
                       <a:prstDash val="solid"/>
                     </a:lnBlToTr>
+                    <a:solidFill>
+                      <a:srgbClr val="22B2DA">
+                        <a:alpha val="20000"/>
+                      </a:srgbClr>
+                    </a:solidFill>
                   </a:tcPr>
                 </a:tc>
                 <a:tc>
@@ -10788,6 +10900,11 @@
                       <a:noFill/>
                       <a:prstDash val="solid"/>
                     </a:lnBlToTr>
+                    <a:solidFill>
+                      <a:srgbClr val="22B2DA">
+                        <a:alpha val="20000"/>
+                      </a:srgbClr>
+                    </a:solidFill>
                   </a:tcPr>
                 </a:tc>
                 <a:tc>
@@ -10830,6 +10947,11 @@
                       <a:noFill/>
                       <a:prstDash val="solid"/>
                     </a:lnBlToTr>
+                    <a:solidFill>
+                      <a:srgbClr val="22B2DA">
+                        <a:alpha val="20000"/>
+                      </a:srgbClr>
+                    </a:solidFill>
                   </a:tcPr>
                 </a:tc>
                 <a:tc>
@@ -10872,6 +10994,11 @@
                       <a:noFill/>
                       <a:prstDash val="solid"/>
                     </a:lnBlToTr>
+                    <a:solidFill>
+                      <a:srgbClr val="22B2DA">
+                        <a:alpha val="20000"/>
+                      </a:srgbClr>
+                    </a:solidFill>
                   </a:tcPr>
                 </a:tc>
                 <a:extLst>
@@ -11096,6 +11223,11 @@
                       <a:noFill/>
                       <a:prstDash val="solid"/>
                     </a:lnBlToTr>
+                    <a:solidFill>
+                      <a:srgbClr val="22B2DA">
+                        <a:alpha val="20000"/>
+                      </a:srgbClr>
+                    </a:solidFill>
                   </a:tcPr>
                 </a:tc>
                 <a:tc>
@@ -11138,6 +11270,11 @@
                       <a:noFill/>
                       <a:prstDash val="solid"/>
                     </a:lnBlToTr>
+                    <a:solidFill>
+                      <a:srgbClr val="22B2DA">
+                        <a:alpha val="20000"/>
+                      </a:srgbClr>
+                    </a:solidFill>
                   </a:tcPr>
                 </a:tc>
                 <a:tc>
@@ -11180,6 +11317,11 @@
                       <a:noFill/>
                       <a:prstDash val="solid"/>
                     </a:lnBlToTr>
+                    <a:solidFill>
+                      <a:srgbClr val="22B2DA">
+                        <a:alpha val="20000"/>
+                      </a:srgbClr>
+                    </a:solidFill>
                   </a:tcPr>
                 </a:tc>
                 <a:tc>
@@ -11222,6 +11364,11 @@
                       <a:noFill/>
                       <a:prstDash val="solid"/>
                     </a:lnBlToTr>
+                    <a:solidFill>
+                      <a:srgbClr val="22B2DA">
+                        <a:alpha val="20000"/>
+                      </a:srgbClr>
+                    </a:solidFill>
                   </a:tcPr>
                 </a:tc>
                 <a:extLst>
@@ -11249,7 +11396,7 @@
           <p:nvPr>
             <p:extLst>
               <p:ext uri="{D42A27DB-BD31-4B8C-83A1-F6EECF244321}">
-                <p14:modId xmlns:p14="http://schemas.microsoft.com/office/powerpoint/2010/main" val="2983188925"/>
+                <p14:modId xmlns:p14="http://schemas.microsoft.com/office/powerpoint/2010/main" val="1356194967"/>
               </p:ext>
             </p:extLst>
           </p:nvPr>
@@ -11303,12 +11450,18 @@
                       <a:pPr algn="ctr" latinLnBrk="1"/>
                       <a:r>
                         <a:rPr lang="en-US" altLang="ko-KR" sz="1600" b="0" dirty="0">
+                          <a:solidFill>
+                            <a:schemeClr val="bg1"/>
+                          </a:solidFill>
                           <a:latin typeface="나눔고딕 ExtraBold" panose="020D0904000000000000" pitchFamily="50" charset="-127"/>
                           <a:ea typeface="나눔고딕 ExtraBold" panose="020D0904000000000000" pitchFamily="50" charset="-127"/>
                         </a:rPr>
                         <a:t>2019</a:t>
                       </a:r>
                       <a:endParaRPr lang="ko-KR" altLang="en-US" sz="1600" b="0" dirty="0">
+                        <a:solidFill>
+                          <a:schemeClr val="bg1"/>
+                        </a:solidFill>
                         <a:latin typeface="나눔고딕 ExtraBold" panose="020D0904000000000000" pitchFamily="50" charset="-127"/>
                         <a:ea typeface="나눔고딕 ExtraBold" panose="020D0904000000000000" pitchFamily="50" charset="-127"/>
                       </a:endParaRPr>
@@ -11336,9 +11489,7 @@
                       <a:prstDash val="solid"/>
                     </a:lnBlToTr>
                     <a:solidFill>
-                      <a:schemeClr val="bg2">
-                        <a:lumMod val="75000"/>
-                      </a:schemeClr>
+                      <a:srgbClr val="F23557"/>
                     </a:solidFill>
                   </a:tcPr>
                 </a:tc>
@@ -11350,12 +11501,18 @@
                       <a:pPr algn="ctr" latinLnBrk="1"/>
                       <a:r>
                         <a:rPr lang="en-US" altLang="ko-KR" sz="1600" b="0" dirty="0">
+                          <a:solidFill>
+                            <a:schemeClr val="bg1"/>
+                          </a:solidFill>
                           <a:latin typeface="나눔고딕 ExtraBold" panose="020D0904000000000000" pitchFamily="50" charset="-127"/>
                           <a:ea typeface="나눔고딕 ExtraBold" panose="020D0904000000000000" pitchFamily="50" charset="-127"/>
                         </a:rPr>
                         <a:t>N3</a:t>
                       </a:r>
                       <a:endParaRPr lang="ko-KR" altLang="en-US" sz="1600" b="0" dirty="0">
+                        <a:solidFill>
+                          <a:schemeClr val="bg1"/>
+                        </a:solidFill>
                         <a:latin typeface="나눔고딕 ExtraBold" panose="020D0904000000000000" pitchFamily="50" charset="-127"/>
                         <a:ea typeface="나눔고딕 ExtraBold" panose="020D0904000000000000" pitchFamily="50" charset="-127"/>
                       </a:endParaRPr>
@@ -11383,9 +11540,7 @@
                       <a:prstDash val="solid"/>
                     </a:lnBlToTr>
                     <a:solidFill>
-                      <a:schemeClr val="bg2">
-                        <a:lumMod val="75000"/>
-                      </a:schemeClr>
+                      <a:srgbClr val="F23557"/>
                     </a:solidFill>
                   </a:tcPr>
                 </a:tc>
@@ -11397,12 +11552,18 @@
                       <a:pPr algn="ctr" latinLnBrk="1"/>
                       <a:r>
                         <a:rPr lang="en-US" altLang="ko-KR" sz="1600" b="0" dirty="0">
+                          <a:solidFill>
+                            <a:schemeClr val="bg1"/>
+                          </a:solidFill>
                           <a:latin typeface="나눔고딕 ExtraBold" panose="020D0904000000000000" pitchFamily="50" charset="-127"/>
                           <a:ea typeface="나눔고딕 ExtraBold" panose="020D0904000000000000" pitchFamily="50" charset="-127"/>
                         </a:rPr>
                         <a:t>V13</a:t>
                       </a:r>
                       <a:endParaRPr lang="ko-KR" altLang="en-US" sz="1600" b="0" dirty="0">
+                        <a:solidFill>
+                          <a:schemeClr val="bg1"/>
+                        </a:solidFill>
                         <a:latin typeface="나눔고딕 ExtraBold" panose="020D0904000000000000" pitchFamily="50" charset="-127"/>
                         <a:ea typeface="나눔고딕 ExtraBold" panose="020D0904000000000000" pitchFamily="50" charset="-127"/>
                       </a:endParaRPr>
@@ -11430,9 +11591,7 @@
                       <a:prstDash val="solid"/>
                     </a:lnBlToTr>
                     <a:solidFill>
-                      <a:schemeClr val="bg2">
-                        <a:lumMod val="75000"/>
-                      </a:schemeClr>
+                      <a:srgbClr val="F23557"/>
                     </a:solidFill>
                   </a:tcPr>
                 </a:tc>
@@ -11444,12 +11603,18 @@
                       <a:pPr algn="ctr" latinLnBrk="1"/>
                       <a:r>
                         <a:rPr lang="en-US" altLang="ko-KR" sz="1600" b="0" dirty="0">
+                          <a:solidFill>
+                            <a:schemeClr val="bg1"/>
+                          </a:solidFill>
                           <a:latin typeface="나눔고딕 ExtraBold" panose="020D0904000000000000" pitchFamily="50" charset="-127"/>
                           <a:ea typeface="나눔고딕 ExtraBold" panose="020D0904000000000000" pitchFamily="50" charset="-127"/>
                         </a:rPr>
                         <a:t>V23</a:t>
                       </a:r>
                       <a:endParaRPr lang="ko-KR" altLang="en-US" sz="1600" b="0" dirty="0">
+                        <a:solidFill>
+                          <a:schemeClr val="bg1"/>
+                        </a:solidFill>
                         <a:latin typeface="나눔고딕 ExtraBold" panose="020D0904000000000000" pitchFamily="50" charset="-127"/>
                         <a:ea typeface="나눔고딕 ExtraBold" panose="020D0904000000000000" pitchFamily="50" charset="-127"/>
                       </a:endParaRPr>
@@ -11477,9 +11642,7 @@
                       <a:prstDash val="solid"/>
                     </a:lnBlToTr>
                     <a:solidFill>
-                      <a:schemeClr val="bg2">
-                        <a:lumMod val="75000"/>
-                      </a:schemeClr>
+                      <a:srgbClr val="F23557"/>
                     </a:solidFill>
                   </a:tcPr>
                 </a:tc>
@@ -11516,9 +11679,7 @@
             </a:avLst>
           </a:prstGeom>
           <a:solidFill>
-            <a:schemeClr val="bg2">
-              <a:lumMod val="50000"/>
-            </a:schemeClr>
+            <a:srgbClr val="A60A28"/>
           </a:solidFill>
           <a:ln>
             <a:noFill/>
@@ -11572,9 +11733,7 @@
             </a:avLst>
           </a:prstGeom>
           <a:solidFill>
-            <a:schemeClr val="bg2">
-              <a:lumMod val="50000"/>
-            </a:schemeClr>
+            <a:srgbClr val="A60A28"/>
           </a:solidFill>
           <a:ln>
             <a:noFill/>
@@ -12416,6 +12575,819 @@
 </p:sld>
 </file>
 
+<file path=ppt/slides/slide7.xml><?xml version="1.0" encoding="utf-8"?>
+<p:sld xmlns:a="http://schemas.openxmlformats.org/drawingml/2006/main" xmlns:r="http://schemas.openxmlformats.org/officeDocument/2006/relationships" xmlns:p="http://schemas.openxmlformats.org/presentationml/2006/main">
+  <p:cSld>
+    <p:spTree>
+      <p:nvGrpSpPr>
+        <p:cNvPr id="1" name=""/>
+        <p:cNvGrpSpPr/>
+        <p:nvPr/>
+      </p:nvGrpSpPr>
+      <p:grpSpPr>
+        <a:xfrm>
+          <a:off x="0" y="0"/>
+          <a:ext cx="0" cy="0"/>
+          <a:chOff x="0" y="0"/>
+          <a:chExt cx="0" cy="0"/>
+        </a:xfrm>
+      </p:grpSpPr>
+      <p:sp>
+        <p:nvSpPr>
+          <p:cNvPr id="5" name="사각형: 둥근 모서리 4">
+            <a:extLst>
+              <a:ext uri="{FF2B5EF4-FFF2-40B4-BE49-F238E27FC236}">
+                <a16:creationId xmlns:a16="http://schemas.microsoft.com/office/drawing/2014/main" id="{0700CD31-1885-F300-9F1C-34A721E541BB}"/>
+              </a:ext>
+            </a:extLst>
+          </p:cNvPr>
+          <p:cNvSpPr/>
+          <p:nvPr/>
+        </p:nvSpPr>
+        <p:spPr>
+          <a:xfrm>
+            <a:off x="5609658" y="777934"/>
+            <a:ext cx="972684" cy="972684"/>
+          </a:xfrm>
+          <a:prstGeom prst="roundRect">
+            <a:avLst/>
+          </a:prstGeom>
+          <a:solidFill>
+            <a:srgbClr val="F23557"/>
+          </a:solidFill>
+          <a:ln>
+            <a:noFill/>
+          </a:ln>
+        </p:spPr>
+        <p:style>
+          <a:lnRef idx="2">
+            <a:schemeClr val="accent1">
+              <a:shade val="15000"/>
+            </a:schemeClr>
+          </a:lnRef>
+          <a:fillRef idx="1">
+            <a:schemeClr val="accent1"/>
+          </a:fillRef>
+          <a:effectRef idx="0">
+            <a:schemeClr val="accent1"/>
+          </a:effectRef>
+          <a:fontRef idx="minor">
+            <a:schemeClr val="lt1"/>
+          </a:fontRef>
+        </p:style>
+        <p:txBody>
+          <a:bodyPr rtlCol="0" anchor="ctr"/>
+          <a:lstStyle/>
+          <a:p>
+            <a:pPr algn="ctr"/>
+            <a:r>
+              <a:rPr lang="en-US" altLang="ko-KR" sz="1200" dirty="0"/>
+              <a:t>#F23557</a:t>
+            </a:r>
+            <a:endParaRPr lang="ko-KR" altLang="en-US" sz="1200" dirty="0"/>
+          </a:p>
+        </p:txBody>
+      </p:sp>
+      <p:sp>
+        <p:nvSpPr>
+          <p:cNvPr id="6" name="사각형: 둥근 모서리 5">
+            <a:extLst>
+              <a:ext uri="{FF2B5EF4-FFF2-40B4-BE49-F238E27FC236}">
+                <a16:creationId xmlns:a16="http://schemas.microsoft.com/office/drawing/2014/main" id="{93596A7B-EF67-C6B4-B4AB-8C4EF6A62B9C}"/>
+              </a:ext>
+            </a:extLst>
+          </p:cNvPr>
+          <p:cNvSpPr/>
+          <p:nvPr/>
+        </p:nvSpPr>
+        <p:spPr>
+          <a:xfrm>
+            <a:off x="5609658" y="2202221"/>
+            <a:ext cx="972684" cy="972684"/>
+          </a:xfrm>
+          <a:prstGeom prst="roundRect">
+            <a:avLst/>
+          </a:prstGeom>
+          <a:solidFill>
+            <a:srgbClr val="22B2DA"/>
+          </a:solidFill>
+          <a:ln>
+            <a:noFill/>
+          </a:ln>
+        </p:spPr>
+        <p:style>
+          <a:lnRef idx="2">
+            <a:schemeClr val="accent1">
+              <a:shade val="15000"/>
+            </a:schemeClr>
+          </a:lnRef>
+          <a:fillRef idx="1">
+            <a:schemeClr val="accent1"/>
+          </a:fillRef>
+          <a:effectRef idx="0">
+            <a:schemeClr val="accent1"/>
+          </a:effectRef>
+          <a:fontRef idx="minor">
+            <a:schemeClr val="lt1"/>
+          </a:fontRef>
+        </p:style>
+        <p:txBody>
+          <a:bodyPr rtlCol="0" anchor="ctr"/>
+          <a:lstStyle/>
+          <a:p>
+            <a:pPr algn="ctr"/>
+            <a:r>
+              <a:rPr lang="en-US" altLang="ko-KR" sz="1200" dirty="0"/>
+              <a:t>#22B2DA</a:t>
+            </a:r>
+            <a:endParaRPr lang="ko-KR" altLang="en-US" sz="1200" dirty="0"/>
+          </a:p>
+        </p:txBody>
+      </p:sp>
+      <p:sp>
+        <p:nvSpPr>
+          <p:cNvPr id="7" name="사각형: 둥근 모서리 6">
+            <a:extLst>
+              <a:ext uri="{FF2B5EF4-FFF2-40B4-BE49-F238E27FC236}">
+                <a16:creationId xmlns:a16="http://schemas.microsoft.com/office/drawing/2014/main" id="{F1DEA821-E536-F247-4EA6-81A071F09DFB}"/>
+              </a:ext>
+            </a:extLst>
+          </p:cNvPr>
+          <p:cNvSpPr/>
+          <p:nvPr/>
+        </p:nvSpPr>
+        <p:spPr>
+          <a:xfrm>
+            <a:off x="7443619" y="777934"/>
+            <a:ext cx="972684" cy="972684"/>
+          </a:xfrm>
+          <a:prstGeom prst="roundRect">
+            <a:avLst/>
+          </a:prstGeom>
+          <a:solidFill>
+            <a:srgbClr val="A60A28"/>
+          </a:solidFill>
+          <a:ln>
+            <a:noFill/>
+          </a:ln>
+        </p:spPr>
+        <p:style>
+          <a:lnRef idx="2">
+            <a:schemeClr val="accent1">
+              <a:shade val="15000"/>
+            </a:schemeClr>
+          </a:lnRef>
+          <a:fillRef idx="1">
+            <a:schemeClr val="accent1"/>
+          </a:fillRef>
+          <a:effectRef idx="0">
+            <a:schemeClr val="accent1"/>
+          </a:effectRef>
+          <a:fontRef idx="minor">
+            <a:schemeClr val="lt1"/>
+          </a:fontRef>
+        </p:style>
+        <p:txBody>
+          <a:bodyPr rtlCol="0" anchor="ctr"/>
+          <a:lstStyle/>
+          <a:p>
+            <a:pPr algn="ctr"/>
+            <a:r>
+              <a:rPr lang="en-US" altLang="ko-KR" sz="1200" dirty="0"/>
+              <a:t>#A60A28</a:t>
+            </a:r>
+            <a:endParaRPr lang="ko-KR" altLang="en-US" sz="1200" dirty="0"/>
+          </a:p>
+        </p:txBody>
+      </p:sp>
+      <p:sp>
+        <p:nvSpPr>
+          <p:cNvPr id="8" name="사각형: 둥근 모서리 7">
+            <a:extLst>
+              <a:ext uri="{FF2B5EF4-FFF2-40B4-BE49-F238E27FC236}">
+                <a16:creationId xmlns:a16="http://schemas.microsoft.com/office/drawing/2014/main" id="{5C3BC3E9-F52A-BA40-F281-FDB8172953FF}"/>
+              </a:ext>
+            </a:extLst>
+          </p:cNvPr>
+          <p:cNvSpPr/>
+          <p:nvPr/>
+        </p:nvSpPr>
+        <p:spPr>
+          <a:xfrm>
+            <a:off x="7443612" y="2202221"/>
+            <a:ext cx="972684" cy="972684"/>
+          </a:xfrm>
+          <a:prstGeom prst="roundRect">
+            <a:avLst/>
+          </a:prstGeom>
+          <a:solidFill>
+            <a:srgbClr val="146A82"/>
+          </a:solidFill>
+          <a:ln>
+            <a:noFill/>
+          </a:ln>
+        </p:spPr>
+        <p:style>
+          <a:lnRef idx="2">
+            <a:schemeClr val="accent1">
+              <a:shade val="15000"/>
+            </a:schemeClr>
+          </a:lnRef>
+          <a:fillRef idx="1">
+            <a:schemeClr val="accent1"/>
+          </a:fillRef>
+          <a:effectRef idx="0">
+            <a:schemeClr val="accent1"/>
+          </a:effectRef>
+          <a:fontRef idx="minor">
+            <a:schemeClr val="lt1"/>
+          </a:fontRef>
+        </p:style>
+        <p:txBody>
+          <a:bodyPr rtlCol="0" anchor="ctr"/>
+          <a:lstStyle/>
+          <a:p>
+            <a:pPr algn="ctr"/>
+            <a:r>
+              <a:rPr lang="en-US" altLang="ko-KR" sz="1200" dirty="0"/>
+              <a:t>#146A82</a:t>
+            </a:r>
+            <a:endParaRPr lang="ko-KR" altLang="en-US" sz="1200" dirty="0"/>
+          </a:p>
+        </p:txBody>
+      </p:sp>
+      <p:sp>
+        <p:nvSpPr>
+          <p:cNvPr id="9" name="TextBox 8">
+            <a:extLst>
+              <a:ext uri="{FF2B5EF4-FFF2-40B4-BE49-F238E27FC236}">
+                <a16:creationId xmlns:a16="http://schemas.microsoft.com/office/drawing/2014/main" id="{80FE7BB3-9BAC-A204-F05E-2C834880A2CF}"/>
+              </a:ext>
+            </a:extLst>
+          </p:cNvPr>
+          <p:cNvSpPr txBox="1"/>
+          <p:nvPr/>
+        </p:nvSpPr>
+        <p:spPr>
+          <a:xfrm>
+            <a:off x="5609658" y="85315"/>
+            <a:ext cx="972682" cy="309988"/>
+          </a:xfrm>
+          <a:prstGeom prst="rect">
+            <a:avLst/>
+          </a:prstGeom>
+          <a:noFill/>
+        </p:spPr>
+        <p:txBody>
+          <a:bodyPr wrap="square" rtlCol="0">
+            <a:spAutoFit/>
+          </a:bodyPr>
+          <a:lstStyle/>
+          <a:p>
+            <a:pPr algn="ctr"/>
+            <a:r>
+              <a:rPr lang="en-US" altLang="ko-KR" sz="1200" dirty="0"/>
+              <a:t>Basic</a:t>
+            </a:r>
+            <a:endParaRPr lang="ko-KR" altLang="en-US" sz="1200" dirty="0"/>
+          </a:p>
+        </p:txBody>
+      </p:sp>
+      <p:sp>
+        <p:nvSpPr>
+          <p:cNvPr id="10" name="TextBox 9">
+            <a:extLst>
+              <a:ext uri="{FF2B5EF4-FFF2-40B4-BE49-F238E27FC236}">
+                <a16:creationId xmlns:a16="http://schemas.microsoft.com/office/drawing/2014/main" id="{0FF836F1-61DD-1F4E-B4F1-D2A2AC83A351}"/>
+              </a:ext>
+            </a:extLst>
+          </p:cNvPr>
+          <p:cNvSpPr txBox="1"/>
+          <p:nvPr/>
+        </p:nvSpPr>
+        <p:spPr>
+          <a:xfrm>
+            <a:off x="7443619" y="85315"/>
+            <a:ext cx="972682" cy="309988"/>
+          </a:xfrm>
+          <a:prstGeom prst="rect">
+            <a:avLst/>
+          </a:prstGeom>
+          <a:noFill/>
+        </p:spPr>
+        <p:txBody>
+          <a:bodyPr wrap="square" rtlCol="0">
+            <a:spAutoFit/>
+          </a:bodyPr>
+          <a:lstStyle/>
+          <a:p>
+            <a:pPr algn="ctr"/>
+            <a:r>
+              <a:rPr lang="en-US" altLang="ko-KR" sz="1200" dirty="0"/>
+              <a:t>-40</a:t>
+            </a:r>
+            <a:endParaRPr lang="ko-KR" altLang="en-US" sz="1200" dirty="0"/>
+          </a:p>
+        </p:txBody>
+      </p:sp>
+      <p:sp>
+        <p:nvSpPr>
+          <p:cNvPr id="11" name="사각형: 둥근 모서리 10">
+            <a:extLst>
+              <a:ext uri="{FF2B5EF4-FFF2-40B4-BE49-F238E27FC236}">
+                <a16:creationId xmlns:a16="http://schemas.microsoft.com/office/drawing/2014/main" id="{E57EE3A3-534C-DB75-FCA3-398A7F1CE4BB}"/>
+              </a:ext>
+            </a:extLst>
+          </p:cNvPr>
+          <p:cNvSpPr/>
+          <p:nvPr/>
+        </p:nvSpPr>
+        <p:spPr>
+          <a:xfrm>
+            <a:off x="3775697" y="2202221"/>
+            <a:ext cx="972684" cy="972684"/>
+          </a:xfrm>
+          <a:prstGeom prst="roundRect">
+            <a:avLst/>
+          </a:prstGeom>
+          <a:solidFill>
+            <a:srgbClr val="76D1EA"/>
+          </a:solidFill>
+          <a:ln>
+            <a:noFill/>
+          </a:ln>
+        </p:spPr>
+        <p:style>
+          <a:lnRef idx="2">
+            <a:schemeClr val="accent1">
+              <a:shade val="15000"/>
+            </a:schemeClr>
+          </a:lnRef>
+          <a:fillRef idx="1">
+            <a:schemeClr val="accent1"/>
+          </a:fillRef>
+          <a:effectRef idx="0">
+            <a:schemeClr val="accent1"/>
+          </a:effectRef>
+          <a:fontRef idx="minor">
+            <a:schemeClr val="lt1"/>
+          </a:fontRef>
+        </p:style>
+        <p:txBody>
+          <a:bodyPr rtlCol="0" anchor="ctr"/>
+          <a:lstStyle/>
+          <a:p>
+            <a:pPr algn="ctr"/>
+            <a:r>
+              <a:rPr lang="en-US" altLang="ko-KR" sz="1200" dirty="0"/>
+              <a:t>#76D1EA</a:t>
+            </a:r>
+            <a:endParaRPr lang="ko-KR" altLang="en-US" sz="1200" dirty="0"/>
+          </a:p>
+        </p:txBody>
+      </p:sp>
+      <p:sp>
+        <p:nvSpPr>
+          <p:cNvPr id="12" name="사각형: 둥근 모서리 11">
+            <a:extLst>
+              <a:ext uri="{FF2B5EF4-FFF2-40B4-BE49-F238E27FC236}">
+                <a16:creationId xmlns:a16="http://schemas.microsoft.com/office/drawing/2014/main" id="{1FEFDE7C-681D-91CC-2403-956A9C8DFA5D}"/>
+              </a:ext>
+            </a:extLst>
+          </p:cNvPr>
+          <p:cNvSpPr/>
+          <p:nvPr/>
+        </p:nvSpPr>
+        <p:spPr>
+          <a:xfrm>
+            <a:off x="3775697" y="777934"/>
+            <a:ext cx="972684" cy="972684"/>
+          </a:xfrm>
+          <a:prstGeom prst="roundRect">
+            <a:avLst/>
+          </a:prstGeom>
+          <a:solidFill>
+            <a:srgbClr val="F9A5B5"/>
+          </a:solidFill>
+          <a:ln>
+            <a:noFill/>
+          </a:ln>
+        </p:spPr>
+        <p:style>
+          <a:lnRef idx="2">
+            <a:schemeClr val="accent1">
+              <a:shade val="15000"/>
+            </a:schemeClr>
+          </a:lnRef>
+          <a:fillRef idx="1">
+            <a:schemeClr val="accent1"/>
+          </a:fillRef>
+          <a:effectRef idx="0">
+            <a:schemeClr val="accent1"/>
+          </a:effectRef>
+          <a:fontRef idx="minor">
+            <a:schemeClr val="lt1"/>
+          </a:fontRef>
+        </p:style>
+        <p:txBody>
+          <a:bodyPr rtlCol="0" anchor="ctr"/>
+          <a:lstStyle/>
+          <a:p>
+            <a:pPr algn="ctr"/>
+            <a:r>
+              <a:rPr lang="en-US" altLang="ko-KR" sz="1200" dirty="0"/>
+              <a:t>#F9A5B5</a:t>
+            </a:r>
+            <a:endParaRPr lang="ko-KR" altLang="en-US" sz="1200" dirty="0"/>
+          </a:p>
+        </p:txBody>
+      </p:sp>
+      <p:sp>
+        <p:nvSpPr>
+          <p:cNvPr id="13" name="TextBox 12">
+            <a:extLst>
+              <a:ext uri="{FF2B5EF4-FFF2-40B4-BE49-F238E27FC236}">
+                <a16:creationId xmlns:a16="http://schemas.microsoft.com/office/drawing/2014/main" id="{F9A12C92-3A03-4137-AA1C-C51AA44230AE}"/>
+              </a:ext>
+            </a:extLst>
+          </p:cNvPr>
+          <p:cNvSpPr txBox="1"/>
+          <p:nvPr/>
+        </p:nvSpPr>
+        <p:spPr>
+          <a:xfrm>
+            <a:off x="3775697" y="85315"/>
+            <a:ext cx="972682" cy="309988"/>
+          </a:xfrm>
+          <a:prstGeom prst="rect">
+            <a:avLst/>
+          </a:prstGeom>
+          <a:noFill/>
+        </p:spPr>
+        <p:txBody>
+          <a:bodyPr wrap="square" rtlCol="0">
+            <a:spAutoFit/>
+          </a:bodyPr>
+          <a:lstStyle/>
+          <a:p>
+            <a:pPr algn="ctr"/>
+            <a:r>
+              <a:rPr lang="en-US" altLang="ko-KR" sz="1200" dirty="0"/>
+              <a:t>+40</a:t>
+            </a:r>
+            <a:endParaRPr lang="ko-KR" altLang="en-US" sz="1200" dirty="0"/>
+          </a:p>
+        </p:txBody>
+      </p:sp>
+      <p:sp>
+        <p:nvSpPr>
+          <p:cNvPr id="18" name="사각형: 둥근 모서리 17">
+            <a:extLst>
+              <a:ext uri="{FF2B5EF4-FFF2-40B4-BE49-F238E27FC236}">
+                <a16:creationId xmlns:a16="http://schemas.microsoft.com/office/drawing/2014/main" id="{5593F764-F38F-4768-3DA4-F3BE3AB71B5F}"/>
+              </a:ext>
+            </a:extLst>
+          </p:cNvPr>
+          <p:cNvSpPr/>
+          <p:nvPr/>
+        </p:nvSpPr>
+        <p:spPr>
+          <a:xfrm>
+            <a:off x="5609658" y="5050795"/>
+            <a:ext cx="972684" cy="972684"/>
+          </a:xfrm>
+          <a:prstGeom prst="roundRect">
+            <a:avLst/>
+          </a:prstGeom>
+          <a:solidFill>
+            <a:srgbClr val="6E6E6E"/>
+          </a:solidFill>
+          <a:ln>
+            <a:noFill/>
+          </a:ln>
+        </p:spPr>
+        <p:style>
+          <a:lnRef idx="2">
+            <a:schemeClr val="accent1">
+              <a:shade val="15000"/>
+            </a:schemeClr>
+          </a:lnRef>
+          <a:fillRef idx="1">
+            <a:schemeClr val="accent1"/>
+          </a:fillRef>
+          <a:effectRef idx="0">
+            <a:schemeClr val="accent1"/>
+          </a:effectRef>
+          <a:fontRef idx="minor">
+            <a:schemeClr val="lt1"/>
+          </a:fontRef>
+        </p:style>
+        <p:txBody>
+          <a:bodyPr rtlCol="0" anchor="ctr"/>
+          <a:lstStyle/>
+          <a:p>
+            <a:pPr algn="ctr"/>
+            <a:r>
+              <a:rPr lang="en-US" altLang="ko-KR" sz="1200" dirty="0"/>
+              <a:t>#6E6E6E</a:t>
+            </a:r>
+            <a:endParaRPr lang="ko-KR" altLang="en-US" sz="1200" dirty="0"/>
+          </a:p>
+        </p:txBody>
+      </p:sp>
+      <p:sp>
+        <p:nvSpPr>
+          <p:cNvPr id="19" name="사각형: 둥근 모서리 18">
+            <a:extLst>
+              <a:ext uri="{FF2B5EF4-FFF2-40B4-BE49-F238E27FC236}">
+                <a16:creationId xmlns:a16="http://schemas.microsoft.com/office/drawing/2014/main" id="{5EBC9624-A4F4-53B2-BC11-7F140E166812}"/>
+              </a:ext>
+            </a:extLst>
+          </p:cNvPr>
+          <p:cNvSpPr/>
+          <p:nvPr/>
+        </p:nvSpPr>
+        <p:spPr>
+          <a:xfrm>
+            <a:off x="3775697" y="5050795"/>
+            <a:ext cx="972684" cy="972684"/>
+          </a:xfrm>
+          <a:prstGeom prst="roundRect">
+            <a:avLst/>
+          </a:prstGeom>
+          <a:solidFill>
+            <a:srgbClr val="E0E0E0"/>
+          </a:solidFill>
+          <a:ln>
+            <a:noFill/>
+          </a:ln>
+        </p:spPr>
+        <p:style>
+          <a:lnRef idx="2">
+            <a:schemeClr val="accent1">
+              <a:shade val="15000"/>
+            </a:schemeClr>
+          </a:lnRef>
+          <a:fillRef idx="1">
+            <a:schemeClr val="accent1"/>
+          </a:fillRef>
+          <a:effectRef idx="0">
+            <a:schemeClr val="accent1"/>
+          </a:effectRef>
+          <a:fontRef idx="minor">
+            <a:schemeClr val="lt1"/>
+          </a:fontRef>
+        </p:style>
+        <p:txBody>
+          <a:bodyPr rtlCol="0" anchor="ctr"/>
+          <a:lstStyle/>
+          <a:p>
+            <a:pPr algn="ctr"/>
+            <a:r>
+              <a:rPr lang="en-US" altLang="ko-KR" sz="1200" dirty="0"/>
+              <a:t>#E0E0E0</a:t>
+            </a:r>
+            <a:endParaRPr lang="ko-KR" altLang="en-US" sz="1200" dirty="0"/>
+          </a:p>
+        </p:txBody>
+      </p:sp>
+      <p:sp>
+        <p:nvSpPr>
+          <p:cNvPr id="20" name="사각형: 둥근 모서리 19">
+            <a:extLst>
+              <a:ext uri="{FF2B5EF4-FFF2-40B4-BE49-F238E27FC236}">
+                <a16:creationId xmlns:a16="http://schemas.microsoft.com/office/drawing/2014/main" id="{6B9FAAEC-2D28-0198-51FD-67A0242568F4}"/>
+              </a:ext>
+            </a:extLst>
+          </p:cNvPr>
+          <p:cNvSpPr/>
+          <p:nvPr/>
+        </p:nvSpPr>
+        <p:spPr>
+          <a:xfrm>
+            <a:off x="7443612" y="5050795"/>
+            <a:ext cx="972684" cy="972684"/>
+          </a:xfrm>
+          <a:prstGeom prst="roundRect">
+            <a:avLst/>
+          </a:prstGeom>
+          <a:solidFill>
+            <a:srgbClr val="323232"/>
+          </a:solidFill>
+          <a:ln>
+            <a:noFill/>
+          </a:ln>
+        </p:spPr>
+        <p:style>
+          <a:lnRef idx="2">
+            <a:schemeClr val="accent1">
+              <a:shade val="15000"/>
+            </a:schemeClr>
+          </a:lnRef>
+          <a:fillRef idx="1">
+            <a:schemeClr val="accent1"/>
+          </a:fillRef>
+          <a:effectRef idx="0">
+            <a:schemeClr val="accent1"/>
+          </a:effectRef>
+          <a:fontRef idx="minor">
+            <a:schemeClr val="lt1"/>
+          </a:fontRef>
+        </p:style>
+        <p:txBody>
+          <a:bodyPr rtlCol="0" anchor="ctr"/>
+          <a:lstStyle/>
+          <a:p>
+            <a:pPr algn="ctr"/>
+            <a:r>
+              <a:rPr lang="en-US" altLang="ko-KR" sz="1200" dirty="0"/>
+              <a:t>#323232</a:t>
+            </a:r>
+            <a:endParaRPr lang="ko-KR" altLang="en-US" sz="1200" dirty="0"/>
+          </a:p>
+        </p:txBody>
+      </p:sp>
+      <p:sp>
+        <p:nvSpPr>
+          <p:cNvPr id="2" name="사각형: 둥근 모서리 1">
+            <a:extLst>
+              <a:ext uri="{FF2B5EF4-FFF2-40B4-BE49-F238E27FC236}">
+                <a16:creationId xmlns:a16="http://schemas.microsoft.com/office/drawing/2014/main" id="{030EAD5D-D66E-3495-2801-074B76ECD422}"/>
+              </a:ext>
+            </a:extLst>
+          </p:cNvPr>
+          <p:cNvSpPr/>
+          <p:nvPr/>
+        </p:nvSpPr>
+        <p:spPr>
+          <a:xfrm>
+            <a:off x="5609656" y="3626508"/>
+            <a:ext cx="972684" cy="972684"/>
+          </a:xfrm>
+          <a:prstGeom prst="roundRect">
+            <a:avLst/>
+          </a:prstGeom>
+          <a:solidFill>
+            <a:srgbClr val="FFA305"/>
+          </a:solidFill>
+          <a:ln>
+            <a:noFill/>
+          </a:ln>
+        </p:spPr>
+        <p:style>
+          <a:lnRef idx="2">
+            <a:schemeClr val="accent1">
+              <a:shade val="15000"/>
+            </a:schemeClr>
+          </a:lnRef>
+          <a:fillRef idx="1">
+            <a:schemeClr val="accent1"/>
+          </a:fillRef>
+          <a:effectRef idx="0">
+            <a:schemeClr val="accent1"/>
+          </a:effectRef>
+          <a:fontRef idx="minor">
+            <a:schemeClr val="lt1"/>
+          </a:fontRef>
+        </p:style>
+        <p:txBody>
+          <a:bodyPr rtlCol="0" anchor="ctr"/>
+          <a:lstStyle/>
+          <a:p>
+            <a:pPr algn="ctr"/>
+            <a:r>
+              <a:rPr lang="en-US" altLang="ko-KR" sz="1200" dirty="0"/>
+              <a:t>#FFA305</a:t>
+            </a:r>
+            <a:endParaRPr lang="ko-KR" altLang="en-US" sz="1200" dirty="0"/>
+          </a:p>
+        </p:txBody>
+      </p:sp>
+      <p:sp>
+        <p:nvSpPr>
+          <p:cNvPr id="3" name="사각형: 둥근 모서리 2">
+            <a:extLst>
+              <a:ext uri="{FF2B5EF4-FFF2-40B4-BE49-F238E27FC236}">
+                <a16:creationId xmlns:a16="http://schemas.microsoft.com/office/drawing/2014/main" id="{8DF60589-90A3-9780-4269-6C0F46E4D458}"/>
+              </a:ext>
+            </a:extLst>
+          </p:cNvPr>
+          <p:cNvSpPr/>
+          <p:nvPr/>
+        </p:nvSpPr>
+        <p:spPr>
+          <a:xfrm>
+            <a:off x="7443612" y="3626508"/>
+            <a:ext cx="972684" cy="972684"/>
+          </a:xfrm>
+          <a:prstGeom prst="roundRect">
+            <a:avLst/>
+          </a:prstGeom>
+          <a:solidFill>
+            <a:srgbClr val="9C6400"/>
+          </a:solidFill>
+          <a:ln>
+            <a:noFill/>
+          </a:ln>
+        </p:spPr>
+        <p:style>
+          <a:lnRef idx="2">
+            <a:schemeClr val="accent1">
+              <a:shade val="15000"/>
+            </a:schemeClr>
+          </a:lnRef>
+          <a:fillRef idx="1">
+            <a:schemeClr val="accent1"/>
+          </a:fillRef>
+          <a:effectRef idx="0">
+            <a:schemeClr val="accent1"/>
+          </a:effectRef>
+          <a:fontRef idx="minor">
+            <a:schemeClr val="lt1"/>
+          </a:fontRef>
+        </p:style>
+        <p:txBody>
+          <a:bodyPr rtlCol="0" anchor="ctr"/>
+          <a:lstStyle/>
+          <a:p>
+            <a:pPr algn="ctr"/>
+            <a:r>
+              <a:rPr lang="en-US" altLang="ko-KR" sz="1200" dirty="0"/>
+              <a:t>#9C6400</a:t>
+            </a:r>
+            <a:endParaRPr lang="ko-KR" altLang="en-US" sz="1200" dirty="0"/>
+          </a:p>
+        </p:txBody>
+      </p:sp>
+      <p:sp>
+        <p:nvSpPr>
+          <p:cNvPr id="4" name="사각형: 둥근 모서리 3">
+            <a:extLst>
+              <a:ext uri="{FF2B5EF4-FFF2-40B4-BE49-F238E27FC236}">
+                <a16:creationId xmlns:a16="http://schemas.microsoft.com/office/drawing/2014/main" id="{B938E148-9869-A7E7-05A7-CEEBB1EF6CAC}"/>
+              </a:ext>
+            </a:extLst>
+          </p:cNvPr>
+          <p:cNvSpPr/>
+          <p:nvPr/>
+        </p:nvSpPr>
+        <p:spPr>
+          <a:xfrm>
+            <a:off x="3775697" y="3626508"/>
+            <a:ext cx="972684" cy="972684"/>
+          </a:xfrm>
+          <a:prstGeom prst="roundRect">
+            <a:avLst/>
+          </a:prstGeom>
+          <a:solidFill>
+            <a:srgbClr val="FFCB6D"/>
+          </a:solidFill>
+          <a:ln>
+            <a:noFill/>
+          </a:ln>
+        </p:spPr>
+        <p:style>
+          <a:lnRef idx="2">
+            <a:schemeClr val="accent1">
+              <a:shade val="15000"/>
+            </a:schemeClr>
+          </a:lnRef>
+          <a:fillRef idx="1">
+            <a:schemeClr val="accent1"/>
+          </a:fillRef>
+          <a:effectRef idx="0">
+            <a:schemeClr val="accent1"/>
+          </a:effectRef>
+          <a:fontRef idx="minor">
+            <a:schemeClr val="lt1"/>
+          </a:fontRef>
+        </p:style>
+        <p:txBody>
+          <a:bodyPr rtlCol="0" anchor="ctr"/>
+          <a:lstStyle/>
+          <a:p>
+            <a:pPr algn="ctr"/>
+            <a:r>
+              <a:rPr lang="en-US" altLang="ko-KR" sz="1200" dirty="0"/>
+              <a:t>#FFCB6D</a:t>
+            </a:r>
+            <a:endParaRPr lang="ko-KR" altLang="en-US" sz="1200" dirty="0"/>
+          </a:p>
+        </p:txBody>
+      </p:sp>
+    </p:spTree>
+    <p:extLst>
+      <p:ext uri="{BB962C8B-B14F-4D97-AF65-F5344CB8AC3E}">
+        <p14:creationId xmlns:p14="http://schemas.microsoft.com/office/powerpoint/2010/main" val="3771610028"/>
+      </p:ext>
+    </p:extLst>
+  </p:cSld>
+  <p:clrMapOvr>
+    <a:masterClrMapping/>
+  </p:clrMapOvr>
+</p:sld>
+</file>
+
 <file path=ppt/theme/theme1.xml><?xml version="1.0" encoding="utf-8"?>
 <a:theme xmlns:a="http://schemas.openxmlformats.org/drawingml/2006/main" name="Office 테마">
   <a:themeElements>
